--- a/agent-based-modeling.pptx
+++ b/agent-based-modeling.pptx
@@ -1358,14 +1358,14 @@
           </a:ln>
           <a:extLst>
             <a:ext uri="{909E8E84-426E-40dd-AFC4-6F175D3DCCD1}">
-              <a14:hiddenFill xmlns="" xmlns:a14="http://schemas.microsoft.com/office/drawing/2010/main">
+              <a14:hiddenFill xmlns:a14="http://schemas.microsoft.com/office/drawing/2010/main" xmlns="">
                 <a:solidFill>
                   <a:srgbClr val="FFFFFF"/>
                 </a:solidFill>
               </a14:hiddenFill>
             </a:ext>
             <a:ext uri="{91240B29-F687-4f45-9708-019B960494DF}">
-              <a14:hiddenLine xmlns="" xmlns:a14="http://schemas.microsoft.com/office/drawing/2010/main" w="9525">
+              <a14:hiddenLine xmlns:a14="http://schemas.microsoft.com/office/drawing/2010/main" xmlns="" w="9525">
                 <a:solidFill>
                   <a:srgbClr val="000000"/>
                 </a:solidFill>
@@ -4881,8 +4881,8 @@
               <a:t> </a:t>
             </a:r>
             <a:r>
-              <a:rPr lang="en-US" sz="2400" dirty="0" err="1"/>
-              <a:t>nauke</a:t>
+              <a:rPr lang="hr-HR" sz="2400" dirty="0"/>
+              <a:t>znanosti</a:t>
             </a:r>
             <a:r>
               <a:rPr lang="en-US" sz="2400" dirty="0"/>
@@ -5049,30 +5049,14 @@
             <a:pPr lvl="1"/>
             <a:r>
               <a:rPr lang="hr-HR" sz="2000" dirty="0"/>
-              <a:t>Autonomni entiteti sa </a:t>
-            </a:r>
-            <a:r>
-              <a:rPr lang="hr-HR" sz="2000" dirty="0" err="1"/>
-              <a:t>sopstvenim</a:t>
-            </a:r>
+              <a:t>Autonomni entiteti sa pravilima ponašanja.</a:t>
+            </a:r>
+          </a:p>
+          <a:p>
+            <a:pPr lvl="1"/>
             <a:r>
               <a:rPr lang="hr-HR" sz="2000" dirty="0"/>
-              <a:t> pravilima ponašanja.</a:t>
-            </a:r>
-          </a:p>
-          <a:p>
-            <a:pPr lvl="1"/>
-            <a:r>
-              <a:rPr lang="hr-HR" sz="2000" dirty="0"/>
-              <a:t>Mogu da komuniciraju i </a:t>
-            </a:r>
-            <a:r>
-              <a:rPr lang="hr-HR" sz="2000" dirty="0" err="1"/>
-              <a:t>interaguju</a:t>
-            </a:r>
-            <a:r>
-              <a:rPr lang="hr-HR" sz="2000" dirty="0"/>
-              <a:t> sa drugim agentima i okruženjem.</a:t>
+              <a:t>Mogu da komuniciraju i djeluju sa drugim agentima i okruženjem.</a:t>
             </a:r>
           </a:p>
           <a:p>
@@ -5085,15 +5069,7 @@
             <a:pPr lvl="1"/>
             <a:r>
               <a:rPr lang="hr-HR" sz="2000" dirty="0"/>
-              <a:t>Prostor u kojem agenti </a:t>
-            </a:r>
-            <a:r>
-              <a:rPr lang="hr-HR" sz="2000" dirty="0" err="1"/>
-              <a:t>deluju</a:t>
-            </a:r>
-            <a:r>
-              <a:rPr lang="hr-HR" sz="2000" dirty="0"/>
-              <a:t>.</a:t>
+              <a:t>Prostor u kojem agenti djeluju.</a:t>
             </a:r>
           </a:p>
           <a:p>
@@ -5113,15 +5089,7 @@
             <a:pPr lvl="1"/>
             <a:r>
               <a:rPr lang="hr-HR" sz="2000" dirty="0"/>
-              <a:t>Skup instrukcija koje određuju kako agenti </a:t>
-            </a:r>
-            <a:r>
-              <a:rPr lang="hr-HR" sz="2000" dirty="0" err="1"/>
-              <a:t>interaguju</a:t>
-            </a:r>
-            <a:r>
-              <a:rPr lang="hr-HR" sz="2000" dirty="0"/>
-              <a:t> međusobno i sa okruženjem.</a:t>
+              <a:t>Skup instrukcija koje određuju kako agenti djeluju međusobno i sa okruženjem.</a:t>
             </a:r>
           </a:p>
           <a:p>
@@ -5336,9 +5304,20 @@
             </a:r>
             <a:r>
               <a:rPr lang="sv-SE" sz="2000" dirty="0"/>
-              <a:t>efinisanje pravila ponašanja i interakcija agenata može biti veoma kompleksno i vremenski zahte</a:t>
-            </a:r>
-            <a:endParaRPr lang="hr-HR" sz="2000" dirty="0"/>
+              <a:t>efini</a:t>
+            </a:r>
+            <a:r>
+              <a:rPr lang="hr-HR" sz="2000" dirty="0"/>
+              <a:t>r</a:t>
+            </a:r>
+            <a:r>
+              <a:rPr lang="sv-SE" sz="2000" dirty="0"/>
+              <a:t>anje pravila ponašanja i interakcija agenata može biti veoma kompleksno i vremenski</a:t>
+            </a:r>
+            <a:r>
+              <a:rPr lang="hr-HR" sz="2000" dirty="0"/>
+              <a:t> zahtjevno.</a:t>
+            </a:r>
           </a:p>
           <a:p>
             <a:pPr lvl="1"/>
@@ -5477,7 +5456,7 @@
           <a:p>
             <a:r>
               <a:rPr lang="hr-HR" sz="2400" b="1" dirty="0"/>
-              <a:t>Definiranje Ciljeva</a:t>
+              <a:t>Definiranje ciljeva</a:t>
             </a:r>
           </a:p>
           <a:p>

--- a/agent-based-modeling.pptx
+++ b/agent-based-modeling.pptx
@@ -5,10 +5,10 @@
     <p:sldMasterId id="2147483648" r:id="rId1"/>
   </p:sldMasterIdLst>
   <p:notesMasterIdLst>
-    <p:notesMasterId r:id="rId12"/>
+    <p:notesMasterId r:id="rId23"/>
   </p:notesMasterIdLst>
   <p:handoutMasterIdLst>
-    <p:handoutMasterId r:id="rId13"/>
+    <p:handoutMasterId r:id="rId24"/>
   </p:handoutMasterIdLst>
   <p:sldIdLst>
     <p:sldId id="256" r:id="rId2"/>
@@ -20,7 +20,18 @@
     <p:sldId id="310" r:id="rId8"/>
     <p:sldId id="312" r:id="rId9"/>
     <p:sldId id="311" r:id="rId10"/>
-    <p:sldId id="307" r:id="rId11"/>
+    <p:sldId id="313" r:id="rId11"/>
+    <p:sldId id="315" r:id="rId12"/>
+    <p:sldId id="314" r:id="rId13"/>
+    <p:sldId id="316" r:id="rId14"/>
+    <p:sldId id="317" r:id="rId15"/>
+    <p:sldId id="318" r:id="rId16"/>
+    <p:sldId id="319" r:id="rId17"/>
+    <p:sldId id="320" r:id="rId18"/>
+    <p:sldId id="321" r:id="rId19"/>
+    <p:sldId id="323" r:id="rId20"/>
+    <p:sldId id="322" r:id="rId21"/>
+    <p:sldId id="307" r:id="rId22"/>
   </p:sldIdLst>
   <p:sldSz cx="9144000" cy="6858000" type="screen4x3"/>
   <p:notesSz cx="6858000" cy="9144000"/>
@@ -1358,14 +1369,14 @@
           </a:ln>
           <a:extLst>
             <a:ext uri="{909E8E84-426E-40dd-AFC4-6F175D3DCCD1}">
-              <a14:hiddenFill xmlns:a14="http://schemas.microsoft.com/office/drawing/2010/main" xmlns="">
+              <a14:hiddenFill xmlns="" xmlns:a14="http://schemas.microsoft.com/office/drawing/2010/main">
                 <a:solidFill>
                   <a:srgbClr val="FFFFFF"/>
                 </a:solidFill>
               </a14:hiddenFill>
             </a:ext>
             <a:ext uri="{91240B29-F687-4f45-9708-019B960494DF}">
-              <a14:hiddenLine xmlns:a14="http://schemas.microsoft.com/office/drawing/2010/main" xmlns="" w="9525">
+              <a14:hiddenLine xmlns="" xmlns:a14="http://schemas.microsoft.com/office/drawing/2010/main" w="9525">
                 <a:solidFill>
                   <a:srgbClr val="000000"/>
                 </a:solidFill>
@@ -3046,7 +3057,7 @@
           <p:cNvPr id="2" name="Title 1">
             <a:extLst>
               <a:ext uri="{FF2B5EF4-FFF2-40B4-BE49-F238E27FC236}">
-                <a16:creationId xmlns:a16="http://schemas.microsoft.com/office/drawing/2014/main" id="{DA3B51AC-EA4A-4AA0-9274-578B9C5444B5}"/>
+                <a16:creationId xmlns:a16="http://schemas.microsoft.com/office/drawing/2014/main" id="{FF2D61AA-8193-B633-0920-4167E867ADAB}"/>
               </a:ext>
             </a:extLst>
           </p:cNvPr>
@@ -3063,26 +3074,9 @@
           <a:lstStyle/>
           <a:p>
             <a:r>
-              <a:rPr lang="en-US" dirty="0" err="1"/>
-              <a:t>Literatura</a:t>
-            </a:r>
-            <a:r>
-              <a:rPr lang="en-US" dirty="0"/>
-              <a:t> </a:t>
-            </a:r>
-            <a:r>
-              <a:rPr lang="en-US" dirty="0" err="1"/>
-              <a:t>i</a:t>
-            </a:r>
-            <a:r>
-              <a:rPr lang="en-US" dirty="0"/>
-              <a:t> </a:t>
-            </a:r>
-            <a:r>
-              <a:rPr lang="en-US" dirty="0" err="1"/>
-              <a:t>poveznice</a:t>
-            </a:r>
-            <a:endParaRPr lang="hr-HR" dirty="0"/>
+              <a:rPr lang="hr-HR" dirty="0"/>
+              <a:t>Podaci</a:t>
+            </a:r>
           </a:p>
         </p:txBody>
       </p:sp>
@@ -3091,7 +3085,7 @@
           <p:cNvPr id="3" name="Content Placeholder 2">
             <a:extLst>
               <a:ext uri="{FF2B5EF4-FFF2-40B4-BE49-F238E27FC236}">
-                <a16:creationId xmlns:a16="http://schemas.microsoft.com/office/drawing/2014/main" id="{A132481C-5B89-426B-92E8-6704F7992C62}"/>
+                <a16:creationId xmlns:a16="http://schemas.microsoft.com/office/drawing/2014/main" id="{0333637B-E637-CB86-1608-252C69AF6527}"/>
               </a:ext>
             </a:extLst>
           </p:cNvPr>
@@ -3107,18 +3101,1139 @@
           <a:bodyPr/>
           <a:lstStyle/>
           <a:p>
-            <a:pPr marL="457200" indent="-457200">
-              <a:buFont typeface="+mj-lt"/>
-              <a:buAutoNum type="arabicPeriod"/>
-            </a:pPr>
-            <a:endParaRPr lang="hr-HR" sz="2400" dirty="0"/>
+            <a:r>
+              <a:rPr lang="hr-HR" sz="2400" dirty="0"/>
+              <a:t>Dobne skupine</a:t>
+            </a:r>
+            <a:endParaRPr lang="hr-HR" dirty="0"/>
+          </a:p>
+          <a:p>
+            <a:pPr lvl="1"/>
+            <a:r>
+              <a:rPr lang="hr-HR" sz="2000" dirty="0"/>
+              <a:t> Pojedincima je nasumično dodijeljena dobna skupina iz skupa {“0-19”, “20-39”, “40-59”, “60+”} koristeći unaprijed zadane vjerojatnosti za svaku dobnu skupinu.</a:t>
+            </a:r>
+          </a:p>
+          <a:p>
+            <a:r>
+              <a:rPr lang="hr-HR" sz="2400" dirty="0"/>
+              <a:t>Stopa kontakata</a:t>
+            </a:r>
+          </a:p>
+          <a:p>
+            <a:pPr lvl="1"/>
+            <a:r>
+              <a:rPr lang="hr-HR" sz="2000" dirty="0"/>
+              <a:t>Ovisno o dobi pojedinca, dodijeljena mu je odgovarajuća stopa kontakata koja određuje prosječan broj drugih pojedinaca s kojima će biti u kontaktu. Mlađe dobne skupine imaju višu stopu kontakata</a:t>
+            </a:r>
+          </a:p>
+          <a:p>
+            <a:r>
+              <a:rPr lang="hr-HR" sz="2400" dirty="0"/>
+              <a:t>Podložnost</a:t>
+            </a:r>
+          </a:p>
+          <a:p>
+            <a:pPr lvl="1"/>
+            <a:r>
+              <a:rPr lang="hr-HR" sz="2000" dirty="0"/>
+              <a:t>Pojedincima starije dobi (60+) dodijeljena je viša podložnost zarazi u usporedbi s mlađim dobnim skupinama</a:t>
+            </a:r>
+          </a:p>
+          <a:p>
+            <a:r>
+              <a:rPr lang="hr-HR" sz="2400" dirty="0"/>
+              <a:t>Inicijalno stanje</a:t>
+            </a:r>
+          </a:p>
+          <a:p>
+            <a:pPr lvl="1"/>
+            <a:r>
+              <a:rPr lang="pl-PL" sz="2000" dirty="0"/>
+              <a:t>Nasumično je odabrano 10 pojedinaca koji su inicijalno bili zaraženi, dok su svi ostali bili podložni zarazi</a:t>
+            </a:r>
+            <a:endParaRPr lang="hr-HR" sz="3200" dirty="0"/>
           </a:p>
         </p:txBody>
       </p:sp>
     </p:spTree>
     <p:extLst>
       <p:ext uri="{BB962C8B-B14F-4D97-AF65-F5344CB8AC3E}">
-        <p14:creationId xmlns:p14="http://schemas.microsoft.com/office/powerpoint/2010/main" val="1418660877"/>
+        <p14:creationId xmlns:p14="http://schemas.microsoft.com/office/powerpoint/2010/main" val="1601854418"/>
+      </p:ext>
+    </p:extLst>
+  </p:cSld>
+  <p:clrMapOvr>
+    <a:masterClrMapping/>
+  </p:clrMapOvr>
+</p:sld>
+</file>
+
+<file path=ppt/slides/slide11.xml><?xml version="1.0" encoding="utf-8"?>
+<p:sld xmlns:a="http://schemas.openxmlformats.org/drawingml/2006/main" xmlns:r="http://schemas.openxmlformats.org/officeDocument/2006/relationships" xmlns:p="http://schemas.openxmlformats.org/presentationml/2006/main">
+  <p:cSld>
+    <p:spTree>
+      <p:nvGrpSpPr>
+        <p:cNvPr id="1" name=""/>
+        <p:cNvGrpSpPr/>
+        <p:nvPr/>
+      </p:nvGrpSpPr>
+      <p:grpSpPr>
+        <a:xfrm>
+          <a:off x="0" y="0"/>
+          <a:ext cx="0" cy="0"/>
+          <a:chOff x="0" y="0"/>
+          <a:chExt cx="0" cy="0"/>
+        </a:xfrm>
+      </p:grpSpPr>
+      <p:sp>
+        <p:nvSpPr>
+          <p:cNvPr id="2" name="Title 1">
+            <a:extLst>
+              <a:ext uri="{FF2B5EF4-FFF2-40B4-BE49-F238E27FC236}">
+                <a16:creationId xmlns:a16="http://schemas.microsoft.com/office/drawing/2014/main" id="{EB8ED26E-A234-5AC8-4509-E7450758F783}"/>
+              </a:ext>
+            </a:extLst>
+          </p:cNvPr>
+          <p:cNvSpPr>
+            <a:spLocks noGrp="1"/>
+          </p:cNvSpPr>
+          <p:nvPr>
+            <p:ph type="title"/>
+          </p:nvPr>
+        </p:nvSpPr>
+        <p:spPr/>
+        <p:txBody>
+          <a:bodyPr/>
+          <a:lstStyle/>
+          <a:p>
+            <a:r>
+              <a:rPr lang="hr-HR" dirty="0"/>
+              <a:t>Podaci</a:t>
+            </a:r>
+          </a:p>
+        </p:txBody>
+      </p:sp>
+      <p:sp>
+        <p:nvSpPr>
+          <p:cNvPr id="3" name="Content Placeholder 2">
+            <a:extLst>
+              <a:ext uri="{FF2B5EF4-FFF2-40B4-BE49-F238E27FC236}">
+                <a16:creationId xmlns:a16="http://schemas.microsoft.com/office/drawing/2014/main" id="{869D28CB-60EE-7CB3-BF31-78B3F9A97011}"/>
+              </a:ext>
+            </a:extLst>
+          </p:cNvPr>
+          <p:cNvSpPr>
+            <a:spLocks noGrp="1"/>
+          </p:cNvSpPr>
+          <p:nvPr>
+            <p:ph idx="1"/>
+          </p:nvPr>
+        </p:nvSpPr>
+        <p:spPr/>
+        <p:txBody>
+          <a:bodyPr/>
+          <a:lstStyle/>
+          <a:p>
+            <a:endParaRPr lang="hr-HR"/>
+          </a:p>
+        </p:txBody>
+      </p:sp>
+      <p:pic>
+        <p:nvPicPr>
+          <p:cNvPr id="5" name="Picture 4">
+            <a:extLst>
+              <a:ext uri="{FF2B5EF4-FFF2-40B4-BE49-F238E27FC236}">
+                <a16:creationId xmlns:a16="http://schemas.microsoft.com/office/drawing/2014/main" id="{E2C328D4-716F-6B4E-9179-B3C74B1879E1}"/>
+              </a:ext>
+            </a:extLst>
+          </p:cNvPr>
+          <p:cNvPicPr>
+            <a:picLocks noChangeAspect="1"/>
+          </p:cNvPicPr>
+          <p:nvPr/>
+        </p:nvPicPr>
+        <p:blipFill>
+          <a:blip r:embed="rId2"/>
+          <a:stretch>
+            <a:fillRect/>
+          </a:stretch>
+        </p:blipFill>
+        <p:spPr>
+          <a:xfrm>
+            <a:off x="734990" y="1052736"/>
+            <a:ext cx="7602011" cy="5020376"/>
+          </a:xfrm>
+          <a:prstGeom prst="rect">
+            <a:avLst/>
+          </a:prstGeom>
+        </p:spPr>
+      </p:pic>
+    </p:spTree>
+    <p:extLst>
+      <p:ext uri="{BB962C8B-B14F-4D97-AF65-F5344CB8AC3E}">
+        <p14:creationId xmlns:p14="http://schemas.microsoft.com/office/powerpoint/2010/main" val="2618807484"/>
+      </p:ext>
+    </p:extLst>
+  </p:cSld>
+  <p:clrMapOvr>
+    <a:masterClrMapping/>
+  </p:clrMapOvr>
+</p:sld>
+</file>
+
+<file path=ppt/slides/slide12.xml><?xml version="1.0" encoding="utf-8"?>
+<p:sld xmlns:a="http://schemas.openxmlformats.org/drawingml/2006/main" xmlns:r="http://schemas.openxmlformats.org/officeDocument/2006/relationships" xmlns:p="http://schemas.openxmlformats.org/presentationml/2006/main">
+  <p:cSld>
+    <p:spTree>
+      <p:nvGrpSpPr>
+        <p:cNvPr id="1" name=""/>
+        <p:cNvGrpSpPr/>
+        <p:nvPr/>
+      </p:nvGrpSpPr>
+      <p:grpSpPr>
+        <a:xfrm>
+          <a:off x="0" y="0"/>
+          <a:ext cx="0" cy="0"/>
+          <a:chOff x="0" y="0"/>
+          <a:chExt cx="0" cy="0"/>
+        </a:xfrm>
+      </p:grpSpPr>
+      <p:sp>
+        <p:nvSpPr>
+          <p:cNvPr id="2" name="Title 1">
+            <a:extLst>
+              <a:ext uri="{FF2B5EF4-FFF2-40B4-BE49-F238E27FC236}">
+                <a16:creationId xmlns:a16="http://schemas.microsoft.com/office/drawing/2014/main" id="{FF2D61AA-8193-B633-0920-4167E867ADAB}"/>
+              </a:ext>
+            </a:extLst>
+          </p:cNvPr>
+          <p:cNvSpPr>
+            <a:spLocks noGrp="1"/>
+          </p:cNvSpPr>
+          <p:nvPr>
+            <p:ph type="title"/>
+          </p:nvPr>
+        </p:nvSpPr>
+        <p:spPr/>
+        <p:txBody>
+          <a:bodyPr/>
+          <a:lstStyle/>
+          <a:p>
+            <a:r>
+              <a:rPr lang="hr-HR" dirty="0"/>
+              <a:t>Implementacija simulacije</a:t>
+            </a:r>
+          </a:p>
+        </p:txBody>
+      </p:sp>
+      <p:sp>
+        <p:nvSpPr>
+          <p:cNvPr id="3" name="Content Placeholder 2">
+            <a:extLst>
+              <a:ext uri="{FF2B5EF4-FFF2-40B4-BE49-F238E27FC236}">
+                <a16:creationId xmlns:a16="http://schemas.microsoft.com/office/drawing/2014/main" id="{0333637B-E637-CB86-1608-252C69AF6527}"/>
+              </a:ext>
+            </a:extLst>
+          </p:cNvPr>
+          <p:cNvSpPr>
+            <a:spLocks noGrp="1"/>
+          </p:cNvSpPr>
+          <p:nvPr>
+            <p:ph idx="1"/>
+          </p:nvPr>
+        </p:nvSpPr>
+        <p:spPr/>
+        <p:txBody>
+          <a:bodyPr/>
+          <a:lstStyle/>
+          <a:p>
+            <a:r>
+              <a:rPr lang="hr-HR" sz="2400" dirty="0"/>
+              <a:t>Inicijalizacija novih brojača:</a:t>
+            </a:r>
+          </a:p>
+          <a:p>
+            <a:pPr lvl="1"/>
+            <a:r>
+              <a:rPr lang="hr-HR" sz="1800" dirty="0"/>
+              <a:t>Na početku dana, brojači za </a:t>
+            </a:r>
+            <a:r>
+              <a:rPr lang="hr-HR" sz="1800" dirty="0" err="1"/>
+              <a:t>novozaražene</a:t>
+            </a:r>
+            <a:r>
+              <a:rPr lang="hr-HR" sz="1800" dirty="0"/>
+              <a:t>, oporavljene i umrle osobe postave se na nulu.</a:t>
+            </a:r>
+          </a:p>
+          <a:p>
+            <a:r>
+              <a:rPr lang="hr-HR" sz="2400" dirty="0"/>
+              <a:t>Ažuriranje stanja pojedinaca:</a:t>
+            </a:r>
+          </a:p>
+          <a:p>
+            <a:pPr lvl="1"/>
+            <a:r>
+              <a:rPr lang="hr-HR" sz="1800" dirty="0"/>
+              <a:t>Za svakog zaraženog pojedinca, simulira se ishod njihove bolesti. Ovisno o stopama oporavka i smrtnosti, pojedinac može ozdraviti, umrijeti ili ostati zaražen.</a:t>
+            </a:r>
+          </a:p>
+          <a:p>
+            <a:r>
+              <a:rPr lang="hr-HR" sz="2400" dirty="0"/>
+              <a:t>Širenje zaraze:</a:t>
+            </a:r>
+          </a:p>
+          <a:p>
+            <a:pPr lvl="1"/>
+            <a:r>
+              <a:rPr lang="hr-HR" sz="1800" dirty="0"/>
+              <a:t>Ako zaraženi pojedinac ostane zaražen, on može zaraziti podložne pojedince s kojima je u kontaktu. Vjerojatnost zaraze ovisi o stopi zaraze i podložnosti svakog podložnog pojedinca.</a:t>
+            </a:r>
+          </a:p>
+          <a:p>
+            <a:r>
+              <a:rPr lang="hr-HR" sz="2400" dirty="0"/>
+              <a:t>Ažuriranje ukupnih brojeva:</a:t>
+            </a:r>
+          </a:p>
+          <a:p>
+            <a:pPr lvl="1"/>
+            <a:r>
+              <a:rPr lang="hr-HR" sz="1800" dirty="0"/>
+              <a:t>Nakon prolaska kroz sve pojedince, ukupni brojevi podložnih, zaraženih, oporavljenih i umrlih osoba ažuriraju se prema promjenama koje su se dogodile tijekom tog dana.</a:t>
+            </a:r>
+          </a:p>
+          <a:p>
+            <a:r>
+              <a:rPr lang="hr-HR" sz="2400" dirty="0"/>
+              <a:t>Spremanje rezultata</a:t>
+            </a:r>
+          </a:p>
+          <a:p>
+            <a:pPr lvl="1"/>
+            <a:r>
+              <a:rPr lang="hr-HR" sz="1800" dirty="0"/>
+              <a:t>Rezultati za taj dan, uključujući brojeve podložnih, zaraženih, oporavljenih i umrlih, spremaju se u podatkovnu strukturu.</a:t>
+            </a:r>
+            <a:endParaRPr lang="hr-HR" sz="4000" dirty="0"/>
+          </a:p>
+        </p:txBody>
+      </p:sp>
+    </p:spTree>
+    <p:extLst>
+      <p:ext uri="{BB962C8B-B14F-4D97-AF65-F5344CB8AC3E}">
+        <p14:creationId xmlns:p14="http://schemas.microsoft.com/office/powerpoint/2010/main" val="3689398482"/>
+      </p:ext>
+    </p:extLst>
+  </p:cSld>
+  <p:clrMapOvr>
+    <a:masterClrMapping/>
+  </p:clrMapOvr>
+</p:sld>
+</file>
+
+<file path=ppt/slides/slide13.xml><?xml version="1.0" encoding="utf-8"?>
+<p:sld xmlns:a="http://schemas.openxmlformats.org/drawingml/2006/main" xmlns:r="http://schemas.openxmlformats.org/officeDocument/2006/relationships" xmlns:p="http://schemas.openxmlformats.org/presentationml/2006/main">
+  <p:cSld>
+    <p:spTree>
+      <p:nvGrpSpPr>
+        <p:cNvPr id="1" name=""/>
+        <p:cNvGrpSpPr/>
+        <p:nvPr/>
+      </p:nvGrpSpPr>
+      <p:grpSpPr>
+        <a:xfrm>
+          <a:off x="0" y="0"/>
+          <a:ext cx="0" cy="0"/>
+          <a:chOff x="0" y="0"/>
+          <a:chExt cx="0" cy="0"/>
+        </a:xfrm>
+      </p:grpSpPr>
+      <p:sp>
+        <p:nvSpPr>
+          <p:cNvPr id="2" name="Title 1">
+            <a:extLst>
+              <a:ext uri="{FF2B5EF4-FFF2-40B4-BE49-F238E27FC236}">
+                <a16:creationId xmlns:a16="http://schemas.microsoft.com/office/drawing/2014/main" id="{9332BEAB-7E5C-E59A-599B-217FE706641A}"/>
+              </a:ext>
+            </a:extLst>
+          </p:cNvPr>
+          <p:cNvSpPr>
+            <a:spLocks noGrp="1"/>
+          </p:cNvSpPr>
+          <p:nvPr>
+            <p:ph type="title"/>
+          </p:nvPr>
+        </p:nvSpPr>
+        <p:spPr/>
+        <p:txBody>
+          <a:bodyPr/>
+          <a:lstStyle/>
+          <a:p>
+            <a:r>
+              <a:rPr lang="hr-HR" dirty="0"/>
+              <a:t>Vizualizacija rezultata </a:t>
+            </a:r>
+          </a:p>
+        </p:txBody>
+      </p:sp>
+      <p:sp>
+        <p:nvSpPr>
+          <p:cNvPr id="3" name="Content Placeholder 2">
+            <a:extLst>
+              <a:ext uri="{FF2B5EF4-FFF2-40B4-BE49-F238E27FC236}">
+                <a16:creationId xmlns:a16="http://schemas.microsoft.com/office/drawing/2014/main" id="{6E53A28E-8637-57AC-C3C3-263FDE56362B}"/>
+              </a:ext>
+            </a:extLst>
+          </p:cNvPr>
+          <p:cNvSpPr>
+            <a:spLocks noGrp="1"/>
+          </p:cNvSpPr>
+          <p:nvPr>
+            <p:ph idx="1"/>
+          </p:nvPr>
+        </p:nvSpPr>
+        <p:spPr/>
+        <p:txBody>
+          <a:bodyPr/>
+          <a:lstStyle/>
+          <a:p>
+            <a:endParaRPr lang="hr-HR"/>
+          </a:p>
+        </p:txBody>
+      </p:sp>
+      <p:pic>
+        <p:nvPicPr>
+          <p:cNvPr id="11" name="Picture 10">
+            <a:extLst>
+              <a:ext uri="{FF2B5EF4-FFF2-40B4-BE49-F238E27FC236}">
+                <a16:creationId xmlns:a16="http://schemas.microsoft.com/office/drawing/2014/main" id="{88BA6B5A-05C2-982B-BD61-BD88A141D06E}"/>
+              </a:ext>
+            </a:extLst>
+          </p:cNvPr>
+          <p:cNvPicPr>
+            <a:picLocks noChangeAspect="1"/>
+          </p:cNvPicPr>
+          <p:nvPr/>
+        </p:nvPicPr>
+        <p:blipFill>
+          <a:blip r:embed="rId2"/>
+          <a:stretch>
+            <a:fillRect/>
+          </a:stretch>
+        </p:blipFill>
+        <p:spPr>
+          <a:xfrm>
+            <a:off x="264556" y="1700808"/>
+            <a:ext cx="8172400" cy="1306217"/>
+          </a:xfrm>
+          <a:prstGeom prst="rect">
+            <a:avLst/>
+          </a:prstGeom>
+        </p:spPr>
+      </p:pic>
+    </p:spTree>
+    <p:extLst>
+      <p:ext uri="{BB962C8B-B14F-4D97-AF65-F5344CB8AC3E}">
+        <p14:creationId xmlns:p14="http://schemas.microsoft.com/office/powerpoint/2010/main" val="1722752856"/>
+      </p:ext>
+    </p:extLst>
+  </p:cSld>
+  <p:clrMapOvr>
+    <a:masterClrMapping/>
+  </p:clrMapOvr>
+</p:sld>
+</file>
+
+<file path=ppt/slides/slide14.xml><?xml version="1.0" encoding="utf-8"?>
+<p:sld xmlns:a="http://schemas.openxmlformats.org/drawingml/2006/main" xmlns:r="http://schemas.openxmlformats.org/officeDocument/2006/relationships" xmlns:p="http://schemas.openxmlformats.org/presentationml/2006/main">
+  <p:cSld>
+    <p:spTree>
+      <p:nvGrpSpPr>
+        <p:cNvPr id="1" name=""/>
+        <p:cNvGrpSpPr/>
+        <p:nvPr/>
+      </p:nvGrpSpPr>
+      <p:grpSpPr>
+        <a:xfrm>
+          <a:off x="0" y="0"/>
+          <a:ext cx="0" cy="0"/>
+          <a:chOff x="0" y="0"/>
+          <a:chExt cx="0" cy="0"/>
+        </a:xfrm>
+      </p:grpSpPr>
+      <p:sp>
+        <p:nvSpPr>
+          <p:cNvPr id="2" name="Title 1">
+            <a:extLst>
+              <a:ext uri="{FF2B5EF4-FFF2-40B4-BE49-F238E27FC236}">
+                <a16:creationId xmlns:a16="http://schemas.microsoft.com/office/drawing/2014/main" id="{C90BAD52-FEA7-9DB1-41CC-CC8D5FCCDE15}"/>
+              </a:ext>
+            </a:extLst>
+          </p:cNvPr>
+          <p:cNvSpPr>
+            <a:spLocks noGrp="1"/>
+          </p:cNvSpPr>
+          <p:nvPr>
+            <p:ph type="title"/>
+          </p:nvPr>
+        </p:nvSpPr>
+        <p:spPr/>
+        <p:txBody>
+          <a:bodyPr/>
+          <a:lstStyle/>
+          <a:p>
+            <a:r>
+              <a:rPr lang="hr-HR" dirty="0"/>
+              <a:t>Vizualizacija rezultata </a:t>
+            </a:r>
+          </a:p>
+        </p:txBody>
+      </p:sp>
+      <p:sp>
+        <p:nvSpPr>
+          <p:cNvPr id="3" name="Content Placeholder 2">
+            <a:extLst>
+              <a:ext uri="{FF2B5EF4-FFF2-40B4-BE49-F238E27FC236}">
+                <a16:creationId xmlns:a16="http://schemas.microsoft.com/office/drawing/2014/main" id="{F4B4BFF7-7B79-09FA-AE92-A961705E5BDD}"/>
+              </a:ext>
+            </a:extLst>
+          </p:cNvPr>
+          <p:cNvSpPr>
+            <a:spLocks noGrp="1"/>
+          </p:cNvSpPr>
+          <p:nvPr>
+            <p:ph idx="1"/>
+          </p:nvPr>
+        </p:nvSpPr>
+        <p:spPr/>
+        <p:txBody>
+          <a:bodyPr/>
+          <a:lstStyle/>
+          <a:p>
+            <a:endParaRPr lang="hr-HR"/>
+          </a:p>
+        </p:txBody>
+      </p:sp>
+      <p:pic>
+        <p:nvPicPr>
+          <p:cNvPr id="5" name="Picture 4">
+            <a:extLst>
+              <a:ext uri="{FF2B5EF4-FFF2-40B4-BE49-F238E27FC236}">
+                <a16:creationId xmlns:a16="http://schemas.microsoft.com/office/drawing/2014/main" id="{1CBB7790-3C3F-4495-6496-44580C088AC6}"/>
+              </a:ext>
+            </a:extLst>
+          </p:cNvPr>
+          <p:cNvPicPr>
+            <a:picLocks noChangeAspect="1"/>
+          </p:cNvPicPr>
+          <p:nvPr/>
+        </p:nvPicPr>
+        <p:blipFill>
+          <a:blip r:embed="rId2"/>
+          <a:stretch>
+            <a:fillRect/>
+          </a:stretch>
+        </p:blipFill>
+        <p:spPr>
+          <a:xfrm>
+            <a:off x="918652" y="1153758"/>
+            <a:ext cx="7306695" cy="5087060"/>
+          </a:xfrm>
+          <a:prstGeom prst="rect">
+            <a:avLst/>
+          </a:prstGeom>
+        </p:spPr>
+      </p:pic>
+    </p:spTree>
+    <p:extLst>
+      <p:ext uri="{BB962C8B-B14F-4D97-AF65-F5344CB8AC3E}">
+        <p14:creationId xmlns:p14="http://schemas.microsoft.com/office/powerpoint/2010/main" val="3371163407"/>
+      </p:ext>
+    </p:extLst>
+  </p:cSld>
+  <p:clrMapOvr>
+    <a:masterClrMapping/>
+  </p:clrMapOvr>
+</p:sld>
+</file>
+
+<file path=ppt/slides/slide15.xml><?xml version="1.0" encoding="utf-8"?>
+<p:sld xmlns:a="http://schemas.openxmlformats.org/drawingml/2006/main" xmlns:r="http://schemas.openxmlformats.org/officeDocument/2006/relationships" xmlns:p="http://schemas.openxmlformats.org/presentationml/2006/main">
+  <p:cSld>
+    <p:spTree>
+      <p:nvGrpSpPr>
+        <p:cNvPr id="1" name=""/>
+        <p:cNvGrpSpPr/>
+        <p:nvPr/>
+      </p:nvGrpSpPr>
+      <p:grpSpPr>
+        <a:xfrm>
+          <a:off x="0" y="0"/>
+          <a:ext cx="0" cy="0"/>
+          <a:chOff x="0" y="0"/>
+          <a:chExt cx="0" cy="0"/>
+        </a:xfrm>
+      </p:grpSpPr>
+      <p:sp>
+        <p:nvSpPr>
+          <p:cNvPr id="2" name="Title 1">
+            <a:extLst>
+              <a:ext uri="{FF2B5EF4-FFF2-40B4-BE49-F238E27FC236}">
+                <a16:creationId xmlns:a16="http://schemas.microsoft.com/office/drawing/2014/main" id="{60A87870-931A-63AC-4D63-DBD8DA212351}"/>
+              </a:ext>
+            </a:extLst>
+          </p:cNvPr>
+          <p:cNvSpPr>
+            <a:spLocks noGrp="1"/>
+          </p:cNvSpPr>
+          <p:nvPr>
+            <p:ph type="title"/>
+          </p:nvPr>
+        </p:nvSpPr>
+        <p:spPr/>
+        <p:txBody>
+          <a:bodyPr/>
+          <a:lstStyle/>
+          <a:p>
+            <a:r>
+              <a:rPr lang="hr-HR" dirty="0"/>
+              <a:t>Dnevni broj </a:t>
+            </a:r>
+            <a:r>
+              <a:rPr lang="hr-HR" dirty="0" err="1"/>
+              <a:t>novozaraženih</a:t>
+            </a:r>
+            <a:r>
+              <a:rPr lang="hr-HR" dirty="0"/>
+              <a:t>, oporavljenih i umrlih </a:t>
+            </a:r>
+          </a:p>
+        </p:txBody>
+      </p:sp>
+      <p:sp>
+        <p:nvSpPr>
+          <p:cNvPr id="3" name="Content Placeholder 2">
+            <a:extLst>
+              <a:ext uri="{FF2B5EF4-FFF2-40B4-BE49-F238E27FC236}">
+                <a16:creationId xmlns:a16="http://schemas.microsoft.com/office/drawing/2014/main" id="{A156249D-C1D3-B25D-D000-C6F389E10E30}"/>
+              </a:ext>
+            </a:extLst>
+          </p:cNvPr>
+          <p:cNvSpPr>
+            <a:spLocks noGrp="1"/>
+          </p:cNvSpPr>
+          <p:nvPr>
+            <p:ph idx="1"/>
+          </p:nvPr>
+        </p:nvSpPr>
+        <p:spPr/>
+        <p:txBody>
+          <a:bodyPr/>
+          <a:lstStyle/>
+          <a:p>
+            <a:endParaRPr lang="hr-HR"/>
+          </a:p>
+        </p:txBody>
+      </p:sp>
+      <p:pic>
+        <p:nvPicPr>
+          <p:cNvPr id="7" name="Picture 6">
+            <a:extLst>
+              <a:ext uri="{FF2B5EF4-FFF2-40B4-BE49-F238E27FC236}">
+                <a16:creationId xmlns:a16="http://schemas.microsoft.com/office/drawing/2014/main" id="{9B065EEC-71D4-185D-D097-BB4F64D0A6A4}"/>
+              </a:ext>
+            </a:extLst>
+          </p:cNvPr>
+          <p:cNvPicPr>
+            <a:picLocks noChangeAspect="1"/>
+          </p:cNvPicPr>
+          <p:nvPr/>
+        </p:nvPicPr>
+        <p:blipFill>
+          <a:blip r:embed="rId2"/>
+          <a:stretch>
+            <a:fillRect/>
+          </a:stretch>
+        </p:blipFill>
+        <p:spPr>
+          <a:xfrm>
+            <a:off x="231894" y="1628800"/>
+            <a:ext cx="8316416" cy="2230181"/>
+          </a:xfrm>
+          <a:prstGeom prst="rect">
+            <a:avLst/>
+          </a:prstGeom>
+        </p:spPr>
+      </p:pic>
+    </p:spTree>
+    <p:extLst>
+      <p:ext uri="{BB962C8B-B14F-4D97-AF65-F5344CB8AC3E}">
+        <p14:creationId xmlns:p14="http://schemas.microsoft.com/office/powerpoint/2010/main" val="602846083"/>
+      </p:ext>
+    </p:extLst>
+  </p:cSld>
+  <p:clrMapOvr>
+    <a:masterClrMapping/>
+  </p:clrMapOvr>
+</p:sld>
+</file>
+
+<file path=ppt/slides/slide16.xml><?xml version="1.0" encoding="utf-8"?>
+<p:sld xmlns:a="http://schemas.openxmlformats.org/drawingml/2006/main" xmlns:r="http://schemas.openxmlformats.org/officeDocument/2006/relationships" xmlns:p="http://schemas.openxmlformats.org/presentationml/2006/main">
+  <p:cSld>
+    <p:spTree>
+      <p:nvGrpSpPr>
+        <p:cNvPr id="1" name=""/>
+        <p:cNvGrpSpPr/>
+        <p:nvPr/>
+      </p:nvGrpSpPr>
+      <p:grpSpPr>
+        <a:xfrm>
+          <a:off x="0" y="0"/>
+          <a:ext cx="0" cy="0"/>
+          <a:chOff x="0" y="0"/>
+          <a:chExt cx="0" cy="0"/>
+        </a:xfrm>
+      </p:grpSpPr>
+      <p:sp>
+        <p:nvSpPr>
+          <p:cNvPr id="2" name="Title 1">
+            <a:extLst>
+              <a:ext uri="{FF2B5EF4-FFF2-40B4-BE49-F238E27FC236}">
+                <a16:creationId xmlns:a16="http://schemas.microsoft.com/office/drawing/2014/main" id="{34501C6D-4957-7E08-6325-EBBF162DEB94}"/>
+              </a:ext>
+            </a:extLst>
+          </p:cNvPr>
+          <p:cNvSpPr>
+            <a:spLocks noGrp="1"/>
+          </p:cNvSpPr>
+          <p:nvPr>
+            <p:ph type="title"/>
+          </p:nvPr>
+        </p:nvSpPr>
+        <p:spPr/>
+        <p:txBody>
+          <a:bodyPr/>
+          <a:lstStyle/>
+          <a:p>
+            <a:r>
+              <a:rPr lang="hr-HR" dirty="0"/>
+              <a:t>Dnevni broj </a:t>
+            </a:r>
+            <a:r>
+              <a:rPr lang="hr-HR" dirty="0" err="1"/>
+              <a:t>novozaraženih</a:t>
+            </a:r>
+            <a:r>
+              <a:rPr lang="hr-HR" dirty="0"/>
+              <a:t>, oporavljenih i umrlih </a:t>
+            </a:r>
+          </a:p>
+        </p:txBody>
+      </p:sp>
+      <p:sp>
+        <p:nvSpPr>
+          <p:cNvPr id="3" name="Content Placeholder 2">
+            <a:extLst>
+              <a:ext uri="{FF2B5EF4-FFF2-40B4-BE49-F238E27FC236}">
+                <a16:creationId xmlns:a16="http://schemas.microsoft.com/office/drawing/2014/main" id="{2A7B037D-4302-BE8F-B1CB-B439C61F324F}"/>
+              </a:ext>
+            </a:extLst>
+          </p:cNvPr>
+          <p:cNvSpPr>
+            <a:spLocks noGrp="1"/>
+          </p:cNvSpPr>
+          <p:nvPr>
+            <p:ph idx="1"/>
+          </p:nvPr>
+        </p:nvSpPr>
+        <p:spPr/>
+        <p:txBody>
+          <a:bodyPr/>
+          <a:lstStyle/>
+          <a:p>
+            <a:endParaRPr lang="hr-HR"/>
+          </a:p>
+        </p:txBody>
+      </p:sp>
+      <p:pic>
+        <p:nvPicPr>
+          <p:cNvPr id="5" name="Picture 4">
+            <a:extLst>
+              <a:ext uri="{FF2B5EF4-FFF2-40B4-BE49-F238E27FC236}">
+                <a16:creationId xmlns:a16="http://schemas.microsoft.com/office/drawing/2014/main" id="{46CCDA97-E345-BEC6-131B-D90226A3150B}"/>
+              </a:ext>
+            </a:extLst>
+          </p:cNvPr>
+          <p:cNvPicPr>
+            <a:picLocks noChangeAspect="1"/>
+          </p:cNvPicPr>
+          <p:nvPr/>
+        </p:nvPicPr>
+        <p:blipFill>
+          <a:blip r:embed="rId2"/>
+          <a:stretch>
+            <a:fillRect/>
+          </a:stretch>
+        </p:blipFill>
+        <p:spPr>
+          <a:xfrm>
+            <a:off x="683568" y="1052736"/>
+            <a:ext cx="7287642" cy="5106113"/>
+          </a:xfrm>
+          <a:prstGeom prst="rect">
+            <a:avLst/>
+          </a:prstGeom>
+        </p:spPr>
+      </p:pic>
+    </p:spTree>
+    <p:extLst>
+      <p:ext uri="{BB962C8B-B14F-4D97-AF65-F5344CB8AC3E}">
+        <p14:creationId xmlns:p14="http://schemas.microsoft.com/office/powerpoint/2010/main" val="1592309620"/>
+      </p:ext>
+    </p:extLst>
+  </p:cSld>
+  <p:clrMapOvr>
+    <a:masterClrMapping/>
+  </p:clrMapOvr>
+</p:sld>
+</file>
+
+<file path=ppt/slides/slide17.xml><?xml version="1.0" encoding="utf-8"?>
+<p:sld xmlns:a="http://schemas.openxmlformats.org/drawingml/2006/main" xmlns:r="http://schemas.openxmlformats.org/officeDocument/2006/relationships" xmlns:p="http://schemas.openxmlformats.org/presentationml/2006/main">
+  <p:cSld>
+    <p:spTree>
+      <p:nvGrpSpPr>
+        <p:cNvPr id="1" name=""/>
+        <p:cNvGrpSpPr/>
+        <p:nvPr/>
+      </p:nvGrpSpPr>
+      <p:grpSpPr>
+        <a:xfrm>
+          <a:off x="0" y="0"/>
+          <a:ext cx="0" cy="0"/>
+          <a:chOff x="0" y="0"/>
+          <a:chExt cx="0" cy="0"/>
+        </a:xfrm>
+      </p:grpSpPr>
+      <p:sp>
+        <p:nvSpPr>
+          <p:cNvPr id="2" name="Title 1">
+            <a:extLst>
+              <a:ext uri="{FF2B5EF4-FFF2-40B4-BE49-F238E27FC236}">
+                <a16:creationId xmlns:a16="http://schemas.microsoft.com/office/drawing/2014/main" id="{AF434BF9-B38B-29F0-2827-47877FE374D3}"/>
+              </a:ext>
+            </a:extLst>
+          </p:cNvPr>
+          <p:cNvSpPr>
+            <a:spLocks noGrp="1"/>
+          </p:cNvSpPr>
+          <p:nvPr>
+            <p:ph type="title"/>
+          </p:nvPr>
+        </p:nvSpPr>
+        <p:spPr/>
+        <p:txBody>
+          <a:bodyPr/>
+          <a:lstStyle/>
+          <a:p>
+            <a:r>
+              <a:rPr lang="hr-HR" dirty="0"/>
+              <a:t>Kumulativni slučajevi tijekom vremena</a:t>
+            </a:r>
+          </a:p>
+        </p:txBody>
+      </p:sp>
+      <p:sp>
+        <p:nvSpPr>
+          <p:cNvPr id="3" name="Content Placeholder 2">
+            <a:extLst>
+              <a:ext uri="{FF2B5EF4-FFF2-40B4-BE49-F238E27FC236}">
+                <a16:creationId xmlns:a16="http://schemas.microsoft.com/office/drawing/2014/main" id="{11A0D752-6F26-2B4D-88A6-9CBF9AB6C6E6}"/>
+              </a:ext>
+            </a:extLst>
+          </p:cNvPr>
+          <p:cNvSpPr>
+            <a:spLocks noGrp="1"/>
+          </p:cNvSpPr>
+          <p:nvPr>
+            <p:ph idx="1"/>
+          </p:nvPr>
+        </p:nvSpPr>
+        <p:spPr/>
+        <p:txBody>
+          <a:bodyPr/>
+          <a:lstStyle/>
+          <a:p>
+            <a:endParaRPr lang="hr-HR" dirty="0"/>
+          </a:p>
+        </p:txBody>
+      </p:sp>
+      <p:pic>
+        <p:nvPicPr>
+          <p:cNvPr id="5" name="Picture 4">
+            <a:extLst>
+              <a:ext uri="{FF2B5EF4-FFF2-40B4-BE49-F238E27FC236}">
+                <a16:creationId xmlns:a16="http://schemas.microsoft.com/office/drawing/2014/main" id="{BEF0C955-4E88-4D93-47E0-175F955C59F9}"/>
+              </a:ext>
+            </a:extLst>
+          </p:cNvPr>
+          <p:cNvPicPr>
+            <a:picLocks noChangeAspect="1"/>
+          </p:cNvPicPr>
+          <p:nvPr/>
+        </p:nvPicPr>
+        <p:blipFill>
+          <a:blip r:embed="rId2"/>
+          <a:stretch>
+            <a:fillRect/>
+          </a:stretch>
+        </p:blipFill>
+        <p:spPr>
+          <a:xfrm>
+            <a:off x="323528" y="2204864"/>
+            <a:ext cx="8150904" cy="976317"/>
+          </a:xfrm>
+          <a:prstGeom prst="rect">
+            <a:avLst/>
+          </a:prstGeom>
+        </p:spPr>
+      </p:pic>
+    </p:spTree>
+    <p:extLst>
+      <p:ext uri="{BB962C8B-B14F-4D97-AF65-F5344CB8AC3E}">
+        <p14:creationId xmlns:p14="http://schemas.microsoft.com/office/powerpoint/2010/main" val="984148296"/>
+      </p:ext>
+    </p:extLst>
+  </p:cSld>
+  <p:clrMapOvr>
+    <a:masterClrMapping/>
+  </p:clrMapOvr>
+</p:sld>
+</file>
+
+<file path=ppt/slides/slide18.xml><?xml version="1.0" encoding="utf-8"?>
+<p:sld xmlns:a="http://schemas.openxmlformats.org/drawingml/2006/main" xmlns:r="http://schemas.openxmlformats.org/officeDocument/2006/relationships" xmlns:p="http://schemas.openxmlformats.org/presentationml/2006/main">
+  <p:cSld>
+    <p:spTree>
+      <p:nvGrpSpPr>
+        <p:cNvPr id="1" name=""/>
+        <p:cNvGrpSpPr/>
+        <p:nvPr/>
+      </p:nvGrpSpPr>
+      <p:grpSpPr>
+        <a:xfrm>
+          <a:off x="0" y="0"/>
+          <a:ext cx="0" cy="0"/>
+          <a:chOff x="0" y="0"/>
+          <a:chExt cx="0" cy="0"/>
+        </a:xfrm>
+      </p:grpSpPr>
+      <p:sp>
+        <p:nvSpPr>
+          <p:cNvPr id="2" name="Title 1">
+            <a:extLst>
+              <a:ext uri="{FF2B5EF4-FFF2-40B4-BE49-F238E27FC236}">
+                <a16:creationId xmlns:a16="http://schemas.microsoft.com/office/drawing/2014/main" id="{0075C005-973E-DA69-3A2F-90F9037E5FD9}"/>
+              </a:ext>
+            </a:extLst>
+          </p:cNvPr>
+          <p:cNvSpPr>
+            <a:spLocks noGrp="1"/>
+          </p:cNvSpPr>
+          <p:nvPr>
+            <p:ph type="title"/>
+          </p:nvPr>
+        </p:nvSpPr>
+        <p:spPr/>
+        <p:txBody>
+          <a:bodyPr/>
+          <a:lstStyle/>
+          <a:p>
+            <a:r>
+              <a:rPr lang="hr-HR" dirty="0"/>
+              <a:t>Kumulativni slučajevi tijekom vremena</a:t>
+            </a:r>
+          </a:p>
+        </p:txBody>
+      </p:sp>
+      <p:sp>
+        <p:nvSpPr>
+          <p:cNvPr id="3" name="Content Placeholder 2">
+            <a:extLst>
+              <a:ext uri="{FF2B5EF4-FFF2-40B4-BE49-F238E27FC236}">
+                <a16:creationId xmlns:a16="http://schemas.microsoft.com/office/drawing/2014/main" id="{24622112-141B-6C3C-F437-3A2DAF6921C7}"/>
+              </a:ext>
+            </a:extLst>
+          </p:cNvPr>
+          <p:cNvSpPr>
+            <a:spLocks noGrp="1"/>
+          </p:cNvSpPr>
+          <p:nvPr>
+            <p:ph idx="1"/>
+          </p:nvPr>
+        </p:nvSpPr>
+        <p:spPr/>
+        <p:txBody>
+          <a:bodyPr/>
+          <a:lstStyle/>
+          <a:p>
+            <a:endParaRPr lang="hr-HR"/>
+          </a:p>
+        </p:txBody>
+      </p:sp>
+      <p:pic>
+        <p:nvPicPr>
+          <p:cNvPr id="4" name="Picture 3">
+            <a:extLst>
+              <a:ext uri="{FF2B5EF4-FFF2-40B4-BE49-F238E27FC236}">
+                <a16:creationId xmlns:a16="http://schemas.microsoft.com/office/drawing/2014/main" id="{C67100E7-25EE-D3A8-FE92-3EDE7C11AAEA}"/>
+              </a:ext>
+            </a:extLst>
+          </p:cNvPr>
+          <p:cNvPicPr>
+            <a:picLocks noChangeAspect="1"/>
+          </p:cNvPicPr>
+          <p:nvPr/>
+        </p:nvPicPr>
+        <p:blipFill>
+          <a:blip r:embed="rId2"/>
+          <a:stretch>
+            <a:fillRect/>
+          </a:stretch>
+        </p:blipFill>
+        <p:spPr>
+          <a:xfrm>
+            <a:off x="1115616" y="1486862"/>
+            <a:ext cx="6201640" cy="4477375"/>
+          </a:xfrm>
+          <a:prstGeom prst="rect">
+            <a:avLst/>
+          </a:prstGeom>
+        </p:spPr>
+      </p:pic>
+    </p:spTree>
+    <p:extLst>
+      <p:ext uri="{BB962C8B-B14F-4D97-AF65-F5344CB8AC3E}">
+        <p14:creationId xmlns:p14="http://schemas.microsoft.com/office/powerpoint/2010/main" val="3083673472"/>
+      </p:ext>
+    </p:extLst>
+  </p:cSld>
+  <p:clrMapOvr>
+    <a:masterClrMapping/>
+  </p:clrMapOvr>
+</p:sld>
+</file>
+
+<file path=ppt/slides/slide19.xml><?xml version="1.0" encoding="utf-8"?>
+<p:sld xmlns:a="http://schemas.openxmlformats.org/drawingml/2006/main" xmlns:r="http://schemas.openxmlformats.org/officeDocument/2006/relationships" xmlns:p="http://schemas.openxmlformats.org/presentationml/2006/main">
+  <p:cSld>
+    <p:spTree>
+      <p:nvGrpSpPr>
+        <p:cNvPr id="1" name=""/>
+        <p:cNvGrpSpPr/>
+        <p:nvPr/>
+      </p:nvGrpSpPr>
+      <p:grpSpPr>
+        <a:xfrm>
+          <a:off x="0" y="0"/>
+          <a:ext cx="0" cy="0"/>
+          <a:chOff x="0" y="0"/>
+          <a:chExt cx="0" cy="0"/>
+        </a:xfrm>
+      </p:grpSpPr>
+      <p:sp>
+        <p:nvSpPr>
+          <p:cNvPr id="2" name="Title 1">
+            <a:extLst>
+              <a:ext uri="{FF2B5EF4-FFF2-40B4-BE49-F238E27FC236}">
+                <a16:creationId xmlns:a16="http://schemas.microsoft.com/office/drawing/2014/main" id="{566E3BA8-BC72-45CD-1F2B-8048F36A3E8E}"/>
+              </a:ext>
+            </a:extLst>
+          </p:cNvPr>
+          <p:cNvSpPr>
+            <a:spLocks noGrp="1"/>
+          </p:cNvSpPr>
+          <p:nvPr>
+            <p:ph type="title"/>
+          </p:nvPr>
+        </p:nvSpPr>
+        <p:spPr/>
+        <p:txBody>
+          <a:bodyPr/>
+          <a:lstStyle/>
+          <a:p>
+            <a:r>
+              <a:rPr lang="hr-HR" dirty="0"/>
+              <a:t>Dobna distribucija umrlih</a:t>
+            </a:r>
+          </a:p>
+        </p:txBody>
+      </p:sp>
+      <p:sp>
+        <p:nvSpPr>
+          <p:cNvPr id="3" name="Content Placeholder 2">
+            <a:extLst>
+              <a:ext uri="{FF2B5EF4-FFF2-40B4-BE49-F238E27FC236}">
+                <a16:creationId xmlns:a16="http://schemas.microsoft.com/office/drawing/2014/main" id="{5C2BF8AD-AAA5-CC2E-4B06-AA9AC9EBF220}"/>
+              </a:ext>
+            </a:extLst>
+          </p:cNvPr>
+          <p:cNvSpPr>
+            <a:spLocks noGrp="1"/>
+          </p:cNvSpPr>
+          <p:nvPr>
+            <p:ph idx="1"/>
+          </p:nvPr>
+        </p:nvSpPr>
+        <p:spPr/>
+        <p:txBody>
+          <a:bodyPr/>
+          <a:lstStyle/>
+          <a:p>
+            <a:endParaRPr lang="hr-HR"/>
+          </a:p>
+        </p:txBody>
+      </p:sp>
+      <p:pic>
+        <p:nvPicPr>
+          <p:cNvPr id="5" name="Picture 4">
+            <a:extLst>
+              <a:ext uri="{FF2B5EF4-FFF2-40B4-BE49-F238E27FC236}">
+                <a16:creationId xmlns:a16="http://schemas.microsoft.com/office/drawing/2014/main" id="{8842AC3B-B637-96DE-BB40-B25774E49838}"/>
+              </a:ext>
+            </a:extLst>
+          </p:cNvPr>
+          <p:cNvPicPr>
+            <a:picLocks noChangeAspect="1"/>
+          </p:cNvPicPr>
+          <p:nvPr/>
+        </p:nvPicPr>
+        <p:blipFill>
+          <a:blip r:embed="rId2"/>
+          <a:stretch>
+            <a:fillRect/>
+          </a:stretch>
+        </p:blipFill>
+        <p:spPr>
+          <a:xfrm>
+            <a:off x="316183" y="1700808"/>
+            <a:ext cx="8489056" cy="1558766"/>
+          </a:xfrm>
+          <a:prstGeom prst="rect">
+            <a:avLst/>
+          </a:prstGeom>
+        </p:spPr>
+      </p:pic>
+    </p:spTree>
+    <p:extLst>
+      <p:ext uri="{BB962C8B-B14F-4D97-AF65-F5344CB8AC3E}">
+        <p14:creationId xmlns:p14="http://schemas.microsoft.com/office/powerpoint/2010/main" val="1381353007"/>
       </p:ext>
     </p:extLst>
   </p:cSld>
@@ -4620,6 +5735,277 @@
     <p:extLst>
       <p:ext uri="{BB962C8B-B14F-4D97-AF65-F5344CB8AC3E}">
         <p14:creationId xmlns:p14="http://schemas.microsoft.com/office/powerpoint/2010/main" val="1993365956"/>
+      </p:ext>
+    </p:extLst>
+  </p:cSld>
+  <p:clrMapOvr>
+    <a:masterClrMapping/>
+  </p:clrMapOvr>
+</p:sld>
+</file>
+
+<file path=ppt/slides/slide20.xml><?xml version="1.0" encoding="utf-8"?>
+<p:sld xmlns:a="http://schemas.openxmlformats.org/drawingml/2006/main" xmlns:r="http://schemas.openxmlformats.org/officeDocument/2006/relationships" xmlns:p="http://schemas.openxmlformats.org/presentationml/2006/main">
+  <p:cSld>
+    <p:spTree>
+      <p:nvGrpSpPr>
+        <p:cNvPr id="1" name=""/>
+        <p:cNvGrpSpPr/>
+        <p:nvPr/>
+      </p:nvGrpSpPr>
+      <p:grpSpPr>
+        <a:xfrm>
+          <a:off x="0" y="0"/>
+          <a:ext cx="0" cy="0"/>
+          <a:chOff x="0" y="0"/>
+          <a:chExt cx="0" cy="0"/>
+        </a:xfrm>
+      </p:grpSpPr>
+      <p:sp>
+        <p:nvSpPr>
+          <p:cNvPr id="2" name="Title 1">
+            <a:extLst>
+              <a:ext uri="{FF2B5EF4-FFF2-40B4-BE49-F238E27FC236}">
+                <a16:creationId xmlns:a16="http://schemas.microsoft.com/office/drawing/2014/main" id="{12F75071-C910-2F4D-2AEE-83E8DA638DEA}"/>
+              </a:ext>
+            </a:extLst>
+          </p:cNvPr>
+          <p:cNvSpPr>
+            <a:spLocks noGrp="1"/>
+          </p:cNvSpPr>
+          <p:nvPr>
+            <p:ph type="title"/>
+          </p:nvPr>
+        </p:nvSpPr>
+        <p:spPr/>
+        <p:txBody>
+          <a:bodyPr/>
+          <a:lstStyle/>
+          <a:p>
+            <a:r>
+              <a:rPr lang="hr-HR" dirty="0"/>
+              <a:t>Dobna distribucija umrlih</a:t>
+            </a:r>
+          </a:p>
+        </p:txBody>
+      </p:sp>
+      <p:sp>
+        <p:nvSpPr>
+          <p:cNvPr id="3" name="Content Placeholder 2">
+            <a:extLst>
+              <a:ext uri="{FF2B5EF4-FFF2-40B4-BE49-F238E27FC236}">
+                <a16:creationId xmlns:a16="http://schemas.microsoft.com/office/drawing/2014/main" id="{7F5527FA-C036-5B7E-935F-45DB32194F3D}"/>
+              </a:ext>
+            </a:extLst>
+          </p:cNvPr>
+          <p:cNvSpPr>
+            <a:spLocks noGrp="1"/>
+          </p:cNvSpPr>
+          <p:nvPr>
+            <p:ph idx="1"/>
+          </p:nvPr>
+        </p:nvSpPr>
+        <p:spPr/>
+        <p:txBody>
+          <a:bodyPr/>
+          <a:lstStyle/>
+          <a:p>
+            <a:endParaRPr lang="hr-HR"/>
+          </a:p>
+        </p:txBody>
+      </p:sp>
+      <p:pic>
+        <p:nvPicPr>
+          <p:cNvPr id="5" name="Picture 4">
+            <a:extLst>
+              <a:ext uri="{FF2B5EF4-FFF2-40B4-BE49-F238E27FC236}">
+                <a16:creationId xmlns:a16="http://schemas.microsoft.com/office/drawing/2014/main" id="{D8C67644-1855-EEE5-E599-90234741D4FC}"/>
+              </a:ext>
+            </a:extLst>
+          </p:cNvPr>
+          <p:cNvPicPr>
+            <a:picLocks noChangeAspect="1"/>
+          </p:cNvPicPr>
+          <p:nvPr/>
+        </p:nvPicPr>
+        <p:blipFill>
+          <a:blip r:embed="rId2"/>
+          <a:stretch>
+            <a:fillRect/>
+          </a:stretch>
+        </p:blipFill>
+        <p:spPr>
+          <a:xfrm>
+            <a:off x="1187624" y="1519111"/>
+            <a:ext cx="6201640" cy="4477375"/>
+          </a:xfrm>
+          <a:prstGeom prst="rect">
+            <a:avLst/>
+          </a:prstGeom>
+        </p:spPr>
+      </p:pic>
+    </p:spTree>
+    <p:extLst>
+      <p:ext uri="{BB962C8B-B14F-4D97-AF65-F5344CB8AC3E}">
+        <p14:creationId xmlns:p14="http://schemas.microsoft.com/office/powerpoint/2010/main" val="4013014310"/>
+      </p:ext>
+    </p:extLst>
+  </p:cSld>
+  <p:clrMapOvr>
+    <a:masterClrMapping/>
+  </p:clrMapOvr>
+</p:sld>
+</file>
+
+<file path=ppt/slides/slide21.xml><?xml version="1.0" encoding="utf-8"?>
+<p:sld xmlns:a="http://schemas.openxmlformats.org/drawingml/2006/main" xmlns:r="http://schemas.openxmlformats.org/officeDocument/2006/relationships" xmlns:p="http://schemas.openxmlformats.org/presentationml/2006/main">
+  <p:cSld>
+    <p:spTree>
+      <p:nvGrpSpPr>
+        <p:cNvPr id="1" name=""/>
+        <p:cNvGrpSpPr/>
+        <p:nvPr/>
+      </p:nvGrpSpPr>
+      <p:grpSpPr>
+        <a:xfrm>
+          <a:off x="0" y="0"/>
+          <a:ext cx="0" cy="0"/>
+          <a:chOff x="0" y="0"/>
+          <a:chExt cx="0" cy="0"/>
+        </a:xfrm>
+      </p:grpSpPr>
+      <p:sp>
+        <p:nvSpPr>
+          <p:cNvPr id="2" name="Title 1">
+            <a:extLst>
+              <a:ext uri="{FF2B5EF4-FFF2-40B4-BE49-F238E27FC236}">
+                <a16:creationId xmlns:a16="http://schemas.microsoft.com/office/drawing/2014/main" id="{DA3B51AC-EA4A-4AA0-9274-578B9C5444B5}"/>
+              </a:ext>
+            </a:extLst>
+          </p:cNvPr>
+          <p:cNvSpPr>
+            <a:spLocks noGrp="1"/>
+          </p:cNvSpPr>
+          <p:nvPr>
+            <p:ph type="title"/>
+          </p:nvPr>
+        </p:nvSpPr>
+        <p:spPr/>
+        <p:txBody>
+          <a:bodyPr/>
+          <a:lstStyle/>
+          <a:p>
+            <a:r>
+              <a:rPr lang="en-US" dirty="0" err="1"/>
+              <a:t>Literatura</a:t>
+            </a:r>
+            <a:r>
+              <a:rPr lang="en-US" dirty="0"/>
+              <a:t> </a:t>
+            </a:r>
+            <a:r>
+              <a:rPr lang="en-US" dirty="0" err="1"/>
+              <a:t>i</a:t>
+            </a:r>
+            <a:r>
+              <a:rPr lang="en-US" dirty="0"/>
+              <a:t> </a:t>
+            </a:r>
+            <a:r>
+              <a:rPr lang="en-US" dirty="0" err="1"/>
+              <a:t>poveznice</a:t>
+            </a:r>
+            <a:endParaRPr lang="hr-HR" dirty="0"/>
+          </a:p>
+        </p:txBody>
+      </p:sp>
+      <p:sp>
+        <p:nvSpPr>
+          <p:cNvPr id="3" name="Content Placeholder 2">
+            <a:extLst>
+              <a:ext uri="{FF2B5EF4-FFF2-40B4-BE49-F238E27FC236}">
+                <a16:creationId xmlns:a16="http://schemas.microsoft.com/office/drawing/2014/main" id="{A132481C-5B89-426B-92E8-6704F7992C62}"/>
+              </a:ext>
+            </a:extLst>
+          </p:cNvPr>
+          <p:cNvSpPr>
+            <a:spLocks noGrp="1"/>
+          </p:cNvSpPr>
+          <p:nvPr>
+            <p:ph idx="1"/>
+          </p:nvPr>
+        </p:nvSpPr>
+        <p:spPr/>
+        <p:txBody>
+          <a:bodyPr/>
+          <a:lstStyle/>
+          <a:p>
+            <a:pPr marL="457200" indent="-457200">
+              <a:buFont typeface="+mj-lt"/>
+              <a:buAutoNum type="arabicPeriod"/>
+            </a:pPr>
+            <a:r>
+              <a:rPr lang="hr-HR" sz="2400" dirty="0" err="1"/>
+              <a:t>Wilensky</a:t>
+            </a:r>
+            <a:r>
+              <a:rPr lang="hr-HR" sz="2400" dirty="0"/>
+              <a:t>, U. </a:t>
+            </a:r>
+            <a:r>
+              <a:rPr lang="hr-HR" sz="2400" dirty="0" err="1"/>
+              <a:t>Rand</a:t>
+            </a:r>
+            <a:r>
+              <a:rPr lang="hr-HR" sz="2400" dirty="0"/>
+              <a:t>, W. (2015.) An </a:t>
+            </a:r>
+            <a:r>
+              <a:rPr lang="hr-HR" sz="2400" dirty="0" err="1"/>
+              <a:t>introduction</a:t>
+            </a:r>
+            <a:r>
+              <a:rPr lang="hr-HR" sz="2400" dirty="0"/>
+              <a:t> to agent-</a:t>
+            </a:r>
+            <a:r>
+              <a:rPr lang="hr-HR" sz="2400" dirty="0" err="1"/>
+              <a:t>based</a:t>
+            </a:r>
+            <a:r>
+              <a:rPr lang="hr-HR" sz="2400" dirty="0"/>
+              <a:t> </a:t>
+            </a:r>
+            <a:r>
+              <a:rPr lang="hr-HR" sz="2400" dirty="0" err="1"/>
+              <a:t>modeling</a:t>
+            </a:r>
+            <a:r>
+              <a:rPr lang="hr-HR" sz="2400" dirty="0"/>
+              <a:t>. Cambridge, Massachusetts: </a:t>
+            </a:r>
+            <a:r>
+              <a:rPr lang="hr-HR" sz="2400" dirty="0" err="1"/>
+              <a:t>The</a:t>
+            </a:r>
+            <a:r>
+              <a:rPr lang="hr-HR" sz="2400" dirty="0"/>
+              <a:t> MIT Press</a:t>
+            </a:r>
+          </a:p>
+          <a:p>
+            <a:pPr marL="457200" indent="-457200">
+              <a:buFont typeface="+mj-lt"/>
+              <a:buAutoNum type="arabicPeriod"/>
+            </a:pPr>
+            <a:endParaRPr lang="hr-HR" sz="2400" dirty="0"/>
+          </a:p>
+        </p:txBody>
+      </p:sp>
+    </p:spTree>
+    <p:extLst>
+      <p:ext uri="{BB962C8B-B14F-4D97-AF65-F5344CB8AC3E}">
+        <p14:creationId xmlns:p14="http://schemas.microsoft.com/office/powerpoint/2010/main" val="1418660877"/>
       </p:ext>
     </p:extLst>
   </p:cSld>
@@ -5671,7 +7057,10 @@
           <a:bodyPr/>
           <a:lstStyle/>
           <a:p>
-            <a:endParaRPr lang="hr-HR"/>
+            <a:r>
+              <a:rPr lang="hr-HR" dirty="0"/>
+              <a:t>Elementi u projektu</a:t>
+            </a:r>
           </a:p>
         </p:txBody>
       </p:sp>
@@ -5696,7 +7085,99 @@
           <a:bodyPr/>
           <a:lstStyle/>
           <a:p>
-            <a:endParaRPr lang="hr-HR"/>
+            <a:r>
+              <a:rPr lang="hr-HR" sz="2400" dirty="0"/>
+              <a:t>Populacija</a:t>
+            </a:r>
+            <a:endParaRPr lang="hr-HR" dirty="0"/>
+          </a:p>
+          <a:p>
+            <a:pPr lvl="1"/>
+            <a:r>
+              <a:rPr lang="hr-HR" sz="2000" dirty="0"/>
+              <a:t>Simuliramo populaciju od 1000 pojedinaca podijeljenih u 4 dobne skupine: 0-19, 20-39, 40-59, 60+</a:t>
+            </a:r>
+          </a:p>
+          <a:p>
+            <a:r>
+              <a:rPr lang="hr-HR" sz="2400" dirty="0"/>
+              <a:t>Stanje pojedinaca</a:t>
+            </a:r>
+          </a:p>
+          <a:p>
+            <a:pPr lvl="1"/>
+            <a:r>
+              <a:rPr lang="hr-HR" sz="2000" dirty="0"/>
+              <a:t>Svaki pojedinac može biti u jednom od četiri stanja: podložan (</a:t>
+            </a:r>
+            <a:r>
+              <a:rPr lang="hr-HR" sz="2000" dirty="0" err="1"/>
+              <a:t>susceptible</a:t>
+            </a:r>
+            <a:r>
+              <a:rPr lang="hr-HR" sz="2000" dirty="0"/>
+              <a:t>), zaražen (</a:t>
+            </a:r>
+            <a:r>
+              <a:rPr lang="hr-HR" sz="2000" dirty="0" err="1"/>
+              <a:t>infected</a:t>
+            </a:r>
+            <a:r>
+              <a:rPr lang="hr-HR" sz="2000" dirty="0"/>
+              <a:t>), oporavljen (</a:t>
+            </a:r>
+            <a:r>
+              <a:rPr lang="hr-HR" sz="2000" dirty="0" err="1"/>
+              <a:t>recovered</a:t>
+            </a:r>
+            <a:r>
+              <a:rPr lang="hr-HR" sz="2000" dirty="0"/>
+              <a:t>) ili mrtav (</a:t>
+            </a:r>
+            <a:r>
+              <a:rPr lang="hr-HR" sz="2000" dirty="0" err="1"/>
+              <a:t>dead</a:t>
+            </a:r>
+            <a:r>
+              <a:rPr lang="hr-HR" sz="2000" dirty="0"/>
+              <a:t>)</a:t>
+            </a:r>
+          </a:p>
+          <a:p>
+            <a:r>
+              <a:rPr lang="hr-HR" sz="2400" dirty="0"/>
+              <a:t>Parametri</a:t>
+            </a:r>
+            <a:endParaRPr lang="hr-HR" dirty="0"/>
+          </a:p>
+          <a:p>
+            <a:pPr lvl="1"/>
+            <a:r>
+              <a:rPr lang="hr-HR" sz="2000" dirty="0"/>
+              <a:t>Model koristi nekoliko parametara, uključujući stopu zaraze, stopu oporavka, stopu smrtnosti i stopu kontakata među pojedincima različitih dobnih skupina.</a:t>
+            </a:r>
+          </a:p>
+          <a:p>
+            <a:r>
+              <a:rPr lang="hr-HR" sz="2400" dirty="0"/>
+              <a:t>Dinamika širenja bolesti</a:t>
+            </a:r>
+          </a:p>
+          <a:p>
+            <a:pPr lvl="1"/>
+            <a:r>
+              <a:rPr lang="hr-HR" sz="2000" dirty="0"/>
+              <a:t>U svakom koraku simulacije, zaraženi pojedinci mogu zaraziti podložne pojedince s kojima su u kontaktu, oporaviti se ili umrijeti. Stopa zaraze ovisi o dobi i podložnosti svakog </a:t>
+            </a:r>
+            <a:r>
+              <a:rPr lang="hr-HR" sz="2000" dirty="0" err="1"/>
+              <a:t>pojedinc</a:t>
+            </a:r>
+            <a:endParaRPr lang="hr-HR" sz="2000" dirty="0"/>
+          </a:p>
+          <a:p>
+            <a:pPr lvl="1"/>
+            <a:endParaRPr lang="hr-HR" dirty="0"/>
           </a:p>
         </p:txBody>
       </p:sp>
